--- a/docs/Emergency_calc_final_1.pptx
+++ b/docs/Emergency_calc_final_1.pptx
@@ -319,7 +319,7 @@
           <a:p>
             <a:fld id="{91F9259A-1FE3-4FF9-8A07-BDD8177164ED}" type="datetime4">
               <a:rPr lang="en-US" smtClean="0"/>
-              <a:t>December 6, 2021</a:t>
+              <a:t>December 7, 2021</a:t>
             </a:fld>
             <a:endParaRPr lang="en-US"/>
           </a:p>
@@ -494,7 +494,7 @@
           <a:p>
             <a:fld id="{E5CC3C8F-D4A7-4EAD-92AD-82C91CB8BB85}" type="datetime4">
               <a:rPr lang="en-US" smtClean="0"/>
-              <a:t>December 6, 2021</a:t>
+              <a:t>December 7, 2021</a:t>
             </a:fld>
             <a:endParaRPr lang="en-US"/>
           </a:p>
@@ -731,7 +731,7 @@
           <a:p>
             <a:fld id="{BC011D41-E33C-4BC7-8272-37E8417FD097}" type="datetime4">
               <a:rPr lang="en-US" smtClean="0"/>
-              <a:t>December 6, 2021</a:t>
+              <a:t>December 7, 2021</a:t>
             </a:fld>
             <a:endParaRPr lang="en-US"/>
           </a:p>
@@ -936,7 +936,7 @@
           <a:p>
             <a:fld id="{5D340FED-6E95-4177-A7EF-CD303B9E611D}" type="datetime4">
               <a:rPr lang="en-US" smtClean="0"/>
-              <a:t>December 6, 2021</a:t>
+              <a:t>December 7, 2021</a:t>
             </a:fld>
             <a:endParaRPr lang="en-US"/>
           </a:p>
@@ -1226,7 +1226,7 @@
           <a:p>
             <a:fld id="{477962CB-39AD-45A9-800F-54DAB53D6021}" type="datetime4">
               <a:rPr lang="en-US" smtClean="0"/>
-              <a:t>December 6, 2021</a:t>
+              <a:t>December 7, 2021</a:t>
             </a:fld>
             <a:endParaRPr lang="en-US"/>
           </a:p>
@@ -1510,7 +1510,7 @@
           <a:p>
             <a:fld id="{2DEDF93D-55AB-4606-B9D7-742F1FC51983}" type="datetime4">
               <a:rPr lang="en-US" smtClean="0"/>
-              <a:t>December 6, 2021</a:t>
+              <a:t>December 7, 2021</a:t>
             </a:fld>
             <a:endParaRPr lang="en-US" dirty="0"/>
           </a:p>
@@ -1927,7 +1927,7 @@
           <a:p>
             <a:fld id="{DDF2841D-FB5C-47AB-B2FF-32E855C1EA71}" type="datetime4">
               <a:rPr lang="en-US" smtClean="0"/>
-              <a:t>December 6, 2021</a:t>
+              <a:t>December 7, 2021</a:t>
             </a:fld>
             <a:endParaRPr lang="en-US"/>
           </a:p>
@@ -2068,7 +2068,7 @@
           <a:p>
             <a:fld id="{118537E9-D174-424D-BEE8-AFC4CA5F9F97}" type="datetime4">
               <a:rPr lang="en-US" smtClean="0"/>
-              <a:t>December 6, 2021</a:t>
+              <a:t>December 7, 2021</a:t>
             </a:fld>
             <a:endParaRPr lang="en-US"/>
           </a:p>
@@ -2209,7 +2209,7 @@
           <a:p>
             <a:fld id="{1C7A44C0-F7AC-49C2-8289-1E7A86D9FB50}" type="datetime4">
               <a:rPr lang="en-US" smtClean="0"/>
-              <a:t>December 6, 2021</a:t>
+              <a:t>December 7, 2021</a:t>
             </a:fld>
             <a:endParaRPr lang="en-US"/>
           </a:p>
@@ -2524,7 +2524,7 @@
           <a:p>
             <a:fld id="{73BB84BC-6E78-40D1-8831-40AB1F596614}" type="datetime4">
               <a:rPr lang="en-US" smtClean="0"/>
-              <a:t>December 6, 2021</a:t>
+              <a:t>December 7, 2021</a:t>
             </a:fld>
             <a:endParaRPr lang="en-US"/>
           </a:p>
@@ -2817,7 +2817,7 @@
           <a:p>
             <a:fld id="{ADFA080F-3961-4D42-BEDE-84A1FED032F1}" type="datetime4">
               <a:rPr lang="en-US" smtClean="0"/>
-              <a:t>December 6, 2021</a:t>
+              <a:t>December 7, 2021</a:t>
             </a:fld>
             <a:endParaRPr lang="en-US"/>
           </a:p>
@@ -3099,7 +3099,7 @@
             <a:fld id="{A33960BD-7AC1-4217-9611-AAA56D3EE38F}" type="datetime4">
               <a:rPr lang="en-US" smtClean="0"/>
               <a:pPr/>
-              <a:t>December 6, 2021</a:t>
+              <a:t>December 7, 2021</a:t>
             </a:fld>
             <a:endParaRPr lang="en-US" dirty="0">
               <a:latin typeface="+mn-lt"/>
@@ -6374,7 +6374,7 @@
         <p:spPr/>
         <p:txBody>
           <a:bodyPr>
-            <a:normAutofit lnSpcReduction="10000"/>
+            <a:normAutofit/>
           </a:bodyPr>
           <a:lstStyle/>
           <a:p>
@@ -6402,15 +6402,9 @@
             </a:r>
           </a:p>
           <a:p>
-            <a:endParaRPr lang="en-US" dirty="0"/>
-          </a:p>
-          <a:p>
-            <a:r>
-              <a:rPr lang="en-US" dirty="0"/>
-              <a:t>It then uses the p5 saveimage function to saves the image as either a jpg or png</a:t>
-            </a:r>
-          </a:p>
-          <a:p>
+            <a:pPr marL="0" indent="0">
+              <a:buNone/>
+            </a:pPr>
             <a:endParaRPr lang="en-US" dirty="0"/>
           </a:p>
           <a:p>
